--- a/zhou_yb/about/PPT/第4章 ByteBuilder容器.pptx
+++ b/zhou_yb/about/PPT/第4章 ByteBuilder容器.pptx
@@ -6,7 +6,7 @@
   </p:sldMasterIdLst>
   <p:sldIdLst>
     <p:sldId id="256" r:id="rId2"/>
-    <p:sldId id="258" r:id="rId3"/>
+    <p:sldId id="274" r:id="rId3"/>
     <p:sldId id="259" r:id="rId4"/>
     <p:sldId id="260" r:id="rId5"/>
     <p:sldId id="261" r:id="rId6"/>
@@ -7640,14 +7640,12 @@
         </p:nvSpPr>
         <p:spPr>
           <a:xfrm>
-            <a:off x="781837" y="1645920"/>
-            <a:ext cx="8596668" cy="3196046"/>
+            <a:off x="677334" y="609600"/>
+            <a:ext cx="8596668" cy="4963886"/>
           </a:xfrm>
         </p:spPr>
         <p:txBody>
-          <a:bodyPr>
-            <a:normAutofit/>
-          </a:bodyPr>
+          <a:bodyPr/>
           <a:lstStyle/>
           <a:p>
             <a:r>
@@ -7670,65 +7668,102 @@
               <a:rPr lang="en-US" altLang="zh-CN" dirty="0" smtClean="0"/>
             </a:br>
             <a:r>
+              <a:rPr lang="en-US" altLang="zh-CN" dirty="0" smtClean="0"/>
+              <a:t>		</a:t>
+            </a:r>
+            <a:r>
+              <a:rPr lang="zh-CN" altLang="en-US" sz="2400" dirty="0" smtClean="0"/>
+              <a:t>设备</a:t>
+            </a:r>
+            <a:r>
+              <a:rPr lang="zh-CN" altLang="en-US" sz="2400" dirty="0"/>
+              <a:t>通信过程中使用的数据都为</a:t>
+            </a:r>
+            <a:r>
+              <a:rPr lang="en-US" altLang="zh-CN" sz="2400" dirty="0"/>
+              <a:t>16</a:t>
+            </a:r>
+            <a:r>
+              <a:rPr lang="zh-CN" altLang="en-US" sz="2400" dirty="0"/>
+              <a:t>进制格式的数据</a:t>
+            </a:r>
+            <a:r>
+              <a:rPr lang="en-US" altLang="zh-CN" sz="2400" dirty="0"/>
+              <a:t>,</a:t>
+            </a:r>
+            <a:r>
+              <a:rPr lang="zh-CN" altLang="en-US" sz="2400" dirty="0"/>
+              <a:t>数据中会包含有</a:t>
+            </a:r>
+            <a:r>
+              <a:rPr lang="en-US" altLang="zh-CN" sz="2400" dirty="0" smtClean="0"/>
+              <a:t>0x00,</a:t>
+            </a:r>
+            <a:r>
+              <a:rPr lang="zh-CN" altLang="en-US" sz="2400" dirty="0" smtClean="0"/>
+              <a:t>开发过程中如何高效的存储</a:t>
+            </a:r>
+            <a:r>
+              <a:rPr lang="zh-CN" altLang="en-US" sz="2400" dirty="0"/>
+              <a:t>和处理</a:t>
+            </a:r>
+            <a:r>
+              <a:rPr lang="en-US" altLang="zh-CN" sz="2400" dirty="0"/>
+              <a:t>16</a:t>
+            </a:r>
+            <a:r>
+              <a:rPr lang="zh-CN" altLang="en-US" sz="2400" dirty="0"/>
+              <a:t>进制的字符</a:t>
+            </a:r>
+            <a:r>
+              <a:rPr lang="en-US" altLang="zh-CN" sz="2400" dirty="0"/>
+              <a:t>?</a:t>
+            </a:r>
+            <a:r>
               <a:rPr lang="en-US" altLang="zh-CN" dirty="0"/>
-              <a:t>	</a:t>
-            </a:r>
-            <a:r>
-              <a:rPr lang="zh-CN" altLang="en-US" dirty="0"/>
-              <a:t>与设备在进行交互时</a:t>
-            </a:r>
-            <a:r>
+              <a:t/>
+            </a:r>
+            <a:br>
               <a:rPr lang="en-US" altLang="zh-CN" dirty="0"/>
-              <a:t>,</a:t>
-            </a:r>
-            <a:r>
-              <a:rPr lang="zh-CN" altLang="en-US" dirty="0"/>
-              <a:t>数据格式为</a:t>
-            </a:r>
-            <a:r>
-              <a:rPr lang="en-US" altLang="zh-CN" dirty="0"/>
-              <a:t>16</a:t>
-            </a:r>
-            <a:r>
-              <a:rPr lang="zh-CN" altLang="en-US" dirty="0"/>
-              <a:t>进制的数据</a:t>
-            </a:r>
-            <a:r>
-              <a:rPr lang="en-US" altLang="zh-CN" dirty="0"/>
-              <a:t>,</a:t>
-            </a:r>
-            <a:r>
-              <a:rPr lang="zh-CN" altLang="en-US" dirty="0"/>
-              <a:t>数据中带有</a:t>
-            </a:r>
-            <a:r>
-              <a:rPr lang="en-US" altLang="zh-CN" dirty="0"/>
-              <a:t>0x00</a:t>
-            </a:r>
-            <a:r>
-              <a:rPr lang="en-US" altLang="zh-CN" dirty="0" smtClean="0"/>
-              <a:t>,</a:t>
-            </a:r>
-            <a:r>
-              <a:rPr lang="zh-CN" altLang="en-US" dirty="0" smtClean="0"/>
-              <a:t>如何保证数据和长度的正确性</a:t>
-            </a:r>
-            <a:r>
-              <a:rPr lang="en-US" altLang="zh-CN" dirty="0" smtClean="0"/>
-              <a:t>?</a:t>
-            </a:r>
-            <a:r>
-              <a:rPr lang="en-US" altLang="zh-CN" dirty="0"/>
-              <a:t>	</a:t>
-            </a:r>
+            </a:br>
             <a:endParaRPr lang="zh-CN" altLang="en-US" dirty="0"/>
           </a:p>
         </p:txBody>
       </p:sp>
+      <p:pic>
+        <p:nvPicPr>
+          <p:cNvPr id="4" name="图片 3"/>
+          <p:cNvPicPr>
+            <a:picLocks noChangeAspect="1"/>
+          </p:cNvPicPr>
+          <p:nvPr/>
+        </p:nvPicPr>
+        <p:blipFill>
+          <a:blip r:embed="rId2">
+            <a:extLst>
+              <a:ext uri="{28A0092B-C50C-407E-A947-70E740481C1C}">
+                <a14:useLocalDpi xmlns:a14="http://schemas.microsoft.com/office/drawing/2010/main" val="0"/>
+              </a:ext>
+            </a:extLst>
+          </a:blip>
+          <a:stretch>
+            <a:fillRect/>
+          </a:stretch>
+        </p:blipFill>
+        <p:spPr>
+          <a:xfrm>
+            <a:off x="677334" y="4037240"/>
+            <a:ext cx="1495425" cy="1047750"/>
+          </a:xfrm>
+          <a:prstGeom prst="rect">
+            <a:avLst/>
+          </a:prstGeom>
+        </p:spPr>
+      </p:pic>
     </p:spTree>
     <p:extLst>
       <p:ext uri="{BB962C8B-B14F-4D97-AF65-F5344CB8AC3E}">
-        <p14:creationId xmlns:p14="http://schemas.microsoft.com/office/powerpoint/2010/main" val="2663937786"/>
+        <p14:creationId xmlns:p14="http://schemas.microsoft.com/office/powerpoint/2010/main" val="1174143837"/>
       </p:ext>
     </p:extLst>
   </p:cSld>
@@ -8046,6 +8081,94 @@
               <a:t>	</a:t>
             </a:r>
             <a:endParaRPr lang="zh-CN" altLang="en-US" dirty="0"/>
+          </a:p>
+        </p:txBody>
+      </p:sp>
+      <p:pic>
+        <p:nvPicPr>
+          <p:cNvPr id="4" name="图片 3"/>
+          <p:cNvPicPr>
+            <a:picLocks noChangeAspect="1"/>
+          </p:cNvPicPr>
+          <p:nvPr/>
+        </p:nvPicPr>
+        <p:blipFill>
+          <a:blip r:embed="rId2"/>
+          <a:stretch>
+            <a:fillRect/>
+          </a:stretch>
+        </p:blipFill>
+        <p:spPr>
+          <a:xfrm>
+            <a:off x="7862976" y="1930400"/>
+            <a:ext cx="3580952" cy="1876190"/>
+          </a:xfrm>
+          <a:prstGeom prst="rect">
+            <a:avLst/>
+          </a:prstGeom>
+        </p:spPr>
+      </p:pic>
+      <p:pic>
+        <p:nvPicPr>
+          <p:cNvPr id="5" name="图片 4"/>
+          <p:cNvPicPr>
+            <a:picLocks noChangeAspect="1"/>
+          </p:cNvPicPr>
+          <p:nvPr/>
+        </p:nvPicPr>
+        <p:blipFill>
+          <a:blip r:embed="rId3"/>
+          <a:stretch>
+            <a:fillRect/>
+          </a:stretch>
+        </p:blipFill>
+        <p:spPr>
+          <a:xfrm>
+            <a:off x="7862976" y="4166876"/>
+            <a:ext cx="3638095" cy="1809524"/>
+          </a:xfrm>
+          <a:prstGeom prst="rect">
+            <a:avLst/>
+          </a:prstGeom>
+        </p:spPr>
+      </p:pic>
+      <p:sp>
+        <p:nvSpPr>
+          <p:cNvPr id="6" name="下箭头 5"/>
+          <p:cNvSpPr/>
+          <p:nvPr/>
+        </p:nvSpPr>
+        <p:spPr>
+          <a:xfrm>
+            <a:off x="9270274" y="3806590"/>
+            <a:ext cx="548640" cy="436192"/>
+          </a:xfrm>
+          <a:prstGeom prst="downArrow">
+            <a:avLst/>
+          </a:prstGeom>
+        </p:spPr>
+        <p:style>
+          <a:lnRef idx="2">
+            <a:schemeClr val="accent1">
+              <a:shade val="50000"/>
+            </a:schemeClr>
+          </a:lnRef>
+          <a:fillRef idx="1">
+            <a:schemeClr val="accent1"/>
+          </a:fillRef>
+          <a:effectRef idx="0">
+            <a:schemeClr val="accent1"/>
+          </a:effectRef>
+          <a:fontRef idx="minor">
+            <a:schemeClr val="lt1"/>
+          </a:fontRef>
+        </p:style>
+        <p:txBody>
+          <a:bodyPr rtlCol="0" anchor="ctr"/>
+          <a:lstStyle/>
+          <a:p>
+            <a:pPr algn="ctr"/>
+            <a:endParaRPr lang="zh-CN" altLang="en-US"/>
           </a:p>
         </p:txBody>
       </p:sp>
@@ -8849,7 +8972,50 @@
             </a:r>
             <a:r>
               <a:rPr lang="zh-CN" altLang="en-US" dirty="0" smtClean="0"/>
-              <a:t>性能高</a:t>
+              <a:t>性能</a:t>
+            </a:r>
+            <a:r>
+              <a:rPr lang="zh-CN" altLang="en-US" dirty="0" smtClean="0"/>
+              <a:t>高</a:t>
+            </a:r>
+            <a:endParaRPr lang="en-US" altLang="zh-CN" dirty="0" smtClean="0"/>
+          </a:p>
+          <a:p>
+            <a:r>
+              <a:rPr lang="en-US" altLang="zh-CN" dirty="0" smtClean="0"/>
+              <a:t>5.</a:t>
+            </a:r>
+            <a:r>
+              <a:rPr lang="zh-CN" altLang="en-US" dirty="0" smtClean="0"/>
+              <a:t>兼容原生的</a:t>
+            </a:r>
+            <a:r>
+              <a:rPr lang="en-US" altLang="zh-CN" dirty="0" err="1" smtClean="0"/>
+              <a:t>const</a:t>
+            </a:r>
+            <a:r>
+              <a:rPr lang="en-US" altLang="zh-CN" dirty="0" smtClean="0"/>
+              <a:t> char*</a:t>
+            </a:r>
+            <a:r>
+              <a:rPr lang="zh-CN" altLang="en-US" dirty="0" smtClean="0"/>
+              <a:t>和</a:t>
+            </a:r>
+            <a:r>
+              <a:rPr lang="en-US" altLang="zh-CN" dirty="0" smtClean="0"/>
+              <a:t>byte[]</a:t>
+            </a:r>
+            <a:r>
+              <a:rPr lang="zh-CN" altLang="en-US" dirty="0" smtClean="0"/>
+              <a:t>类型</a:t>
+            </a:r>
+            <a:r>
+              <a:rPr lang="en-US" altLang="zh-CN" dirty="0" smtClean="0"/>
+              <a:t>,</a:t>
+            </a:r>
+            <a:r>
+              <a:rPr lang="zh-CN" altLang="en-US" smtClean="0"/>
+              <a:t>极大的提高易用性</a:t>
             </a:r>
             <a:endParaRPr lang="zh-CN" altLang="en-US" dirty="0"/>
           </a:p>
